--- a/kadai-4/CP-JohnsonInternal-Blank_4-3.pptx
+++ b/kadai-4/CP-JohnsonInternal-Blank_4-3.pptx
@@ -243,7 +243,7 @@
           <a:p>
             <a:fld id="{AC34673F-3019-B146-B838-9789C4D81837}" type="datetimeFigureOut">
               <a:rPr kumimoji="1" lang="ja-JP" altLang="en-US" smtClean="0"/>
-              <a:t>2023/10/1</a:t>
+              <a:t>2024/11/18</a:t>
             </a:fld>
             <a:endParaRPr kumimoji="1" lang="ja-JP" altLang="en-US"/>
           </a:p>
@@ -445,7 +445,7 @@
           <a:p>
             <a:fld id="{AC34673F-3019-B146-B838-9789C4D81837}" type="datetimeFigureOut">
               <a:rPr kumimoji="1" lang="ja-JP" altLang="en-US" smtClean="0"/>
-              <a:t>2023/10/1</a:t>
+              <a:t>2024/11/18</a:t>
             </a:fld>
             <a:endParaRPr kumimoji="1" lang="ja-JP" altLang="en-US"/>
           </a:p>
@@ -657,7 +657,7 @@
           <a:p>
             <a:fld id="{AC34673F-3019-B146-B838-9789C4D81837}" type="datetimeFigureOut">
               <a:rPr kumimoji="1" lang="ja-JP" altLang="en-US" smtClean="0"/>
-              <a:t>2023/10/1</a:t>
+              <a:t>2024/11/18</a:t>
             </a:fld>
             <a:endParaRPr kumimoji="1" lang="ja-JP" altLang="en-US"/>
           </a:p>
@@ -859,7 +859,7 @@
           <a:p>
             <a:fld id="{AC34673F-3019-B146-B838-9789C4D81837}" type="datetimeFigureOut">
               <a:rPr kumimoji="1" lang="ja-JP" altLang="en-US" smtClean="0"/>
-              <a:t>2023/10/1</a:t>
+              <a:t>2024/11/18</a:t>
             </a:fld>
             <a:endParaRPr kumimoji="1" lang="ja-JP" altLang="en-US"/>
           </a:p>
@@ -1103,7 +1103,7 @@
           <a:p>
             <a:fld id="{AC34673F-3019-B146-B838-9789C4D81837}" type="datetimeFigureOut">
               <a:rPr kumimoji="1" lang="ja-JP" altLang="en-US" smtClean="0"/>
-              <a:t>2023/10/1</a:t>
+              <a:t>2024/11/18</a:t>
             </a:fld>
             <a:endParaRPr kumimoji="1" lang="ja-JP" altLang="en-US"/>
           </a:p>
@@ -1399,7 +1399,7 @@
           <a:p>
             <a:fld id="{AC34673F-3019-B146-B838-9789C4D81837}" type="datetimeFigureOut">
               <a:rPr kumimoji="1" lang="ja-JP" altLang="en-US" smtClean="0"/>
-              <a:t>2023/10/1</a:t>
+              <a:t>2024/11/18</a:t>
             </a:fld>
             <a:endParaRPr kumimoji="1" lang="ja-JP" altLang="en-US"/>
           </a:p>
@@ -1830,7 +1830,7 @@
           <a:p>
             <a:fld id="{AC34673F-3019-B146-B838-9789C4D81837}" type="datetimeFigureOut">
               <a:rPr kumimoji="1" lang="ja-JP" altLang="en-US" smtClean="0"/>
-              <a:t>2023/10/1</a:t>
+              <a:t>2024/11/18</a:t>
             </a:fld>
             <a:endParaRPr kumimoji="1" lang="ja-JP" altLang="en-US"/>
           </a:p>
@@ -1948,7 +1948,7 @@
           <a:p>
             <a:fld id="{AC34673F-3019-B146-B838-9789C4D81837}" type="datetimeFigureOut">
               <a:rPr kumimoji="1" lang="ja-JP" altLang="en-US" smtClean="0"/>
-              <a:t>2023/10/1</a:t>
+              <a:t>2024/11/18</a:t>
             </a:fld>
             <a:endParaRPr kumimoji="1" lang="ja-JP" altLang="en-US"/>
           </a:p>
@@ -2043,7 +2043,7 @@
           <a:p>
             <a:fld id="{AC34673F-3019-B146-B838-9789C4D81837}" type="datetimeFigureOut">
               <a:rPr kumimoji="1" lang="ja-JP" altLang="en-US" smtClean="0"/>
-              <a:t>2023/10/1</a:t>
+              <a:t>2024/11/18</a:t>
             </a:fld>
             <a:endParaRPr kumimoji="1" lang="ja-JP" altLang="en-US"/>
           </a:p>
@@ -2352,7 +2352,7 @@
           <a:p>
             <a:fld id="{AC34673F-3019-B146-B838-9789C4D81837}" type="datetimeFigureOut">
               <a:rPr kumimoji="1" lang="ja-JP" altLang="en-US" smtClean="0"/>
-              <a:t>2023/10/1</a:t>
+              <a:t>2024/11/18</a:t>
             </a:fld>
             <a:endParaRPr kumimoji="1" lang="ja-JP" altLang="en-US"/>
           </a:p>
@@ -2609,7 +2609,7 @@
           <a:p>
             <a:fld id="{AC34673F-3019-B146-B838-9789C4D81837}" type="datetimeFigureOut">
               <a:rPr kumimoji="1" lang="ja-JP" altLang="en-US" smtClean="0"/>
-              <a:t>2023/10/1</a:t>
+              <a:t>2024/11/18</a:t>
             </a:fld>
             <a:endParaRPr kumimoji="1" lang="ja-JP" altLang="en-US"/>
           </a:p>
@@ -2854,7 +2854,7 @@
           <a:p>
             <a:fld id="{AC34673F-3019-B146-B838-9789C4D81837}" type="datetimeFigureOut">
               <a:rPr kumimoji="1" lang="ja-JP" altLang="en-US" smtClean="0"/>
-              <a:t>2023/10/1</a:t>
+              <a:t>2024/11/18</a:t>
             </a:fld>
             <a:endParaRPr kumimoji="1" lang="ja-JP" altLang="en-US"/>
           </a:p>
@@ -3412,13 +3412,29 @@
           </a:lstStyle>
           <a:p>
             <a:pPr algn="ctr" eaLnBrk="1" hangingPunct="1"/>
-            <a:endParaRPr lang="en-US" altLang="ja-JP" sz="1400" b="1" dirty="0">
-              <a:solidFill>
-                <a:srgbClr val="FF0000"/>
-              </a:solidFill>
-              <a:latin typeface="ＭＳ 明朝" panose="02020609040205080304" pitchFamily="49" charset="-128"/>
-              <a:ea typeface="ＭＳ 明朝" panose="02020609040205080304" pitchFamily="49" charset="-128"/>
-            </a:endParaRPr>
+            <a:r>
+              <a:rPr lang="en-US" altLang="ja-JP" sz="1400" b="1" dirty="0">
+                <a:solidFill>
+                  <a:srgbClr val="FF0000"/>
+                </a:solidFill>
+                <a:latin typeface="ＭＳ 明朝" panose="02020609040205080304" pitchFamily="49" charset="-128"/>
+                <a:ea typeface="ＭＳ 明朝" panose="02020609040205080304" pitchFamily="49" charset="-128"/>
+              </a:rPr>
+              <a:t>Fetch0</a:t>
+            </a:r>
+          </a:p>
+          <a:p>
+            <a:pPr algn="ctr" eaLnBrk="1" hangingPunct="1"/>
+            <a:r>
+              <a:rPr lang="en-US" altLang="ja-JP" sz="1400" b="1" dirty="0">
+                <a:solidFill>
+                  <a:srgbClr val="FF0000"/>
+                </a:solidFill>
+                <a:latin typeface="ＭＳ 明朝" panose="02020609040205080304" pitchFamily="49" charset="-128"/>
+                <a:ea typeface="ＭＳ 明朝" panose="02020609040205080304" pitchFamily="49" charset="-128"/>
+              </a:rPr>
+              <a:t>(01)</a:t>
+            </a:r>
           </a:p>
         </p:txBody>
       </p:sp>
@@ -3575,13 +3591,29 @@
           </a:lstStyle>
           <a:p>
             <a:pPr algn="ctr" eaLnBrk="1" hangingPunct="1"/>
-            <a:endParaRPr lang="en-US" altLang="ja-JP" sz="1400" b="1" dirty="0">
-              <a:solidFill>
-                <a:srgbClr val="FF0000"/>
-              </a:solidFill>
-              <a:latin typeface="ＭＳ 明朝" panose="02020609040205080304" pitchFamily="49" charset="-128"/>
-              <a:ea typeface="ＭＳ 明朝" panose="02020609040205080304" pitchFamily="49" charset="-128"/>
-            </a:endParaRPr>
+            <a:r>
+              <a:rPr lang="en-US" altLang="ja-JP" sz="1400" b="1" dirty="0">
+                <a:solidFill>
+                  <a:srgbClr val="FF0000"/>
+                </a:solidFill>
+                <a:latin typeface="ＭＳ 明朝" panose="02020609040205080304" pitchFamily="49" charset="-128"/>
+                <a:ea typeface="ＭＳ 明朝" panose="02020609040205080304" pitchFamily="49" charset="-128"/>
+              </a:rPr>
+              <a:t>Fetch1</a:t>
+            </a:r>
+          </a:p>
+          <a:p>
+            <a:pPr algn="ctr" eaLnBrk="1" hangingPunct="1"/>
+            <a:r>
+              <a:rPr lang="en-US" altLang="ja-JP" sz="1400" b="1" dirty="0">
+                <a:solidFill>
+                  <a:srgbClr val="FF0000"/>
+                </a:solidFill>
+                <a:latin typeface="ＭＳ 明朝" panose="02020609040205080304" pitchFamily="49" charset="-128"/>
+                <a:ea typeface="ＭＳ 明朝" panose="02020609040205080304" pitchFamily="49" charset="-128"/>
+              </a:rPr>
+              <a:t>(11)</a:t>
+            </a:r>
           </a:p>
         </p:txBody>
       </p:sp>
@@ -3842,13 +3874,29 @@
           </a:lstStyle>
           <a:p>
             <a:pPr algn="ctr" eaLnBrk="1" hangingPunct="1"/>
-            <a:endParaRPr lang="en-US" altLang="ja-JP" sz="1400" b="1" dirty="0">
-              <a:solidFill>
-                <a:srgbClr val="FF0000"/>
-              </a:solidFill>
-              <a:latin typeface="ＭＳ 明朝" panose="02020609040205080304" pitchFamily="49" charset="-128"/>
-              <a:ea typeface="ＭＳ 明朝" panose="02020609040205080304" pitchFamily="49" charset="-128"/>
-            </a:endParaRPr>
+            <a:r>
+              <a:rPr lang="en-US" altLang="ja-JP" sz="1400" b="1" dirty="0">
+                <a:solidFill>
+                  <a:srgbClr val="FF0000"/>
+                </a:solidFill>
+                <a:latin typeface="ＭＳ 明朝" panose="02020609040205080304" pitchFamily="49" charset="-128"/>
+                <a:ea typeface="ＭＳ 明朝" panose="02020609040205080304" pitchFamily="49" charset="-128"/>
+              </a:rPr>
+              <a:t>Fetch2</a:t>
+            </a:r>
+          </a:p>
+          <a:p>
+            <a:pPr algn="ctr" eaLnBrk="1" hangingPunct="1"/>
+            <a:r>
+              <a:rPr lang="en-US" altLang="ja-JP" sz="1400" b="1" dirty="0">
+                <a:solidFill>
+                  <a:srgbClr val="FF0000"/>
+                </a:solidFill>
+                <a:latin typeface="ＭＳ 明朝" panose="02020609040205080304" pitchFamily="49" charset="-128"/>
+                <a:ea typeface="ＭＳ 明朝" panose="02020609040205080304" pitchFamily="49" charset="-128"/>
+              </a:rPr>
+              <a:t>(10)</a:t>
+            </a:r>
           </a:p>
         </p:txBody>
       </p:sp>
@@ -4005,6 +4053,16 @@
           </a:lstStyle>
           <a:p>
             <a:pPr algn="ctr" eaLnBrk="1" hangingPunct="1"/>
+            <a:r>
+              <a:rPr lang="en-US" altLang="ja-JP" sz="1400" b="1" dirty="0" err="1">
+                <a:solidFill>
+                  <a:srgbClr val="FF0000"/>
+                </a:solidFill>
+                <a:latin typeface="ＭＳ 明朝" panose="02020609040205080304" pitchFamily="49" charset="-128"/>
+                <a:ea typeface="ＭＳ 明朝" panose="02020609040205080304" pitchFamily="49" charset="-128"/>
+              </a:rPr>
+              <a:t>cJCintB</a:t>
+            </a:r>
             <a:endParaRPr lang="en-US" altLang="ja-JP" sz="1400" b="1" dirty="0">
               <a:solidFill>
                 <a:srgbClr val="FF0000"/>
@@ -4012,6 +4070,19 @@
               <a:latin typeface="ＭＳ 明朝" panose="02020609040205080304" pitchFamily="49" charset="-128"/>
               <a:ea typeface="ＭＳ 明朝" panose="02020609040205080304" pitchFamily="49" charset="-128"/>
             </a:endParaRPr>
+          </a:p>
+          <a:p>
+            <a:pPr algn="ctr" eaLnBrk="1" hangingPunct="1"/>
+            <a:r>
+              <a:rPr lang="en-US" altLang="ja-JP" sz="1400" b="1" dirty="0">
+                <a:solidFill>
+                  <a:srgbClr val="FF0000"/>
+                </a:solidFill>
+                <a:latin typeface="ＭＳ 明朝" panose="02020609040205080304" pitchFamily="49" charset="-128"/>
+                <a:ea typeface="ＭＳ 明朝" panose="02020609040205080304" pitchFamily="49" charset="-128"/>
+              </a:rPr>
+              <a:t>(00)</a:t>
+            </a:r>
           </a:p>
         </p:txBody>
       </p:sp>
@@ -4439,13 +4510,16 @@
           </a:lstStyle>
           <a:p>
             <a:pPr algn="ctr" eaLnBrk="1" hangingPunct="1"/>
-            <a:endParaRPr lang="en-US" altLang="ja-JP" sz="1400" b="1" dirty="0">
-              <a:solidFill>
-                <a:srgbClr val="FF0000"/>
-              </a:solidFill>
-              <a:latin typeface="ＭＳ 明朝" panose="02020609040205080304" pitchFamily="49" charset="-128"/>
-              <a:ea typeface="ＭＳ 明朝" panose="02020609040205080304" pitchFamily="49" charset="-128"/>
-            </a:endParaRPr>
+            <a:r>
+              <a:rPr lang="en-US" altLang="ja-JP" sz="1400" b="1" dirty="0">
+                <a:solidFill>
+                  <a:srgbClr val="FF0000"/>
+                </a:solidFill>
+                <a:latin typeface="ＭＳ 明朝" panose="02020609040205080304" pitchFamily="49" charset="-128"/>
+                <a:ea typeface="ＭＳ 明朝" panose="02020609040205080304" pitchFamily="49" charset="-128"/>
+              </a:rPr>
+              <a:t>reset</a:t>
+            </a:r>
           </a:p>
         </p:txBody>
       </p:sp>
@@ -4822,6 +4896,16 @@
           </a:lstStyle>
           <a:p>
             <a:pPr algn="ctr" eaLnBrk="1" hangingPunct="1"/>
+            <a:r>
+              <a:rPr lang="en-US" altLang="ja-JP" sz="1400" b="1" dirty="0" err="1">
+                <a:solidFill>
+                  <a:srgbClr val="FF0000"/>
+                </a:solidFill>
+                <a:latin typeface="ＭＳ 明朝" panose="02020609040205080304" pitchFamily="49" charset="-128"/>
+                <a:ea typeface="ＭＳ 明朝" panose="02020609040205080304" pitchFamily="49" charset="-128"/>
+              </a:rPr>
+              <a:t>acn</a:t>
+            </a:r>
             <a:endParaRPr lang="en-US" altLang="ja-JP" sz="1400" b="1" dirty="0">
               <a:solidFill>
                 <a:srgbClr val="FF0000"/>
@@ -4829,6 +4913,19 @@
               <a:latin typeface="ＭＳ 明朝" panose="02020609040205080304" pitchFamily="49" charset="-128"/>
               <a:ea typeface="ＭＳ 明朝" panose="02020609040205080304" pitchFamily="49" charset="-128"/>
             </a:endParaRPr>
+          </a:p>
+          <a:p>
+            <a:pPr algn="ctr" eaLnBrk="1" hangingPunct="1"/>
+            <a:r>
+              <a:rPr lang="en-US" altLang="ja-JP" sz="1400" b="1" dirty="0">
+                <a:solidFill>
+                  <a:srgbClr val="FF0000"/>
+                </a:solidFill>
+                <a:latin typeface="ＭＳ 明朝" panose="02020609040205080304" pitchFamily="49" charset="-128"/>
+                <a:ea typeface="ＭＳ 明朝" panose="02020609040205080304" pitchFamily="49" charset="-128"/>
+              </a:rPr>
+              <a:t>(1)</a:t>
+            </a:r>
           </a:p>
         </p:txBody>
       </p:sp>
@@ -5325,6 +5422,16 @@
           </a:lstStyle>
           <a:p>
             <a:pPr algn="ctr" eaLnBrk="1" hangingPunct="1"/>
+            <a:r>
+              <a:rPr lang="en-US" altLang="ja-JP" sz="1400" b="1" dirty="0" err="1">
+                <a:solidFill>
+                  <a:srgbClr val="FF0000"/>
+                </a:solidFill>
+                <a:latin typeface="ＭＳ 明朝" panose="02020609040205080304" pitchFamily="49" charset="-128"/>
+                <a:ea typeface="ＭＳ 明朝" panose="02020609040205080304" pitchFamily="49" charset="-128"/>
+              </a:rPr>
+              <a:t>wJCintD</a:t>
+            </a:r>
             <a:endParaRPr lang="en-US" altLang="ja-JP" sz="1400" b="1" dirty="0">
               <a:solidFill>
                 <a:srgbClr val="FF0000"/>
@@ -5332,6 +5439,19 @@
               <a:latin typeface="ＭＳ 明朝" panose="02020609040205080304" pitchFamily="49" charset="-128"/>
               <a:ea typeface="ＭＳ 明朝" panose="02020609040205080304" pitchFamily="49" charset="-128"/>
             </a:endParaRPr>
+          </a:p>
+          <a:p>
+            <a:pPr algn="ctr" eaLnBrk="1" hangingPunct="1"/>
+            <a:r>
+              <a:rPr lang="en-US" altLang="ja-JP" sz="1400" b="1" dirty="0">
+                <a:solidFill>
+                  <a:srgbClr val="FF0000"/>
+                </a:solidFill>
+                <a:latin typeface="ＭＳ 明朝" panose="02020609040205080304" pitchFamily="49" charset="-128"/>
+                <a:ea typeface="ＭＳ 明朝" panose="02020609040205080304" pitchFamily="49" charset="-128"/>
+              </a:rPr>
+              <a:t>(0)</a:t>
+            </a:r>
           </a:p>
         </p:txBody>
       </p:sp>
@@ -5652,13 +5772,29 @@
           </a:lstStyle>
           <a:p>
             <a:pPr algn="ctr" eaLnBrk="1" hangingPunct="1"/>
-            <a:endParaRPr lang="en-US" altLang="ja-JP" sz="1400" b="1" dirty="0">
-              <a:solidFill>
-                <a:srgbClr val="FF0000"/>
-              </a:solidFill>
-              <a:latin typeface="ＭＳ 明朝" panose="02020609040205080304" pitchFamily="49" charset="-128"/>
-              <a:ea typeface="ＭＳ 明朝" panose="02020609040205080304" pitchFamily="49" charset="-128"/>
-            </a:endParaRPr>
+            <a:r>
+              <a:rPr lang="en-US" altLang="ja-JP" sz="1400" b="1" dirty="0">
+                <a:solidFill>
+                  <a:srgbClr val="FF0000"/>
+                </a:solidFill>
+                <a:latin typeface="ＭＳ 明朝" panose="02020609040205080304" pitchFamily="49" charset="-128"/>
+                <a:ea typeface="ＭＳ 明朝" panose="02020609040205080304" pitchFamily="49" charset="-128"/>
+              </a:rPr>
+              <a:t>Ls0</a:t>
+            </a:r>
+          </a:p>
+          <a:p>
+            <a:pPr algn="ctr" eaLnBrk="1" hangingPunct="1"/>
+            <a:r>
+              <a:rPr lang="en-US" altLang="ja-JP" sz="1400" b="1" dirty="0">
+                <a:solidFill>
+                  <a:srgbClr val="FF0000"/>
+                </a:solidFill>
+                <a:latin typeface="ＭＳ 明朝" panose="02020609040205080304" pitchFamily="49" charset="-128"/>
+                <a:ea typeface="ＭＳ 明朝" panose="02020609040205080304" pitchFamily="49" charset="-128"/>
+              </a:rPr>
+              <a:t>(01)</a:t>
+            </a:r>
           </a:p>
         </p:txBody>
       </p:sp>
@@ -5815,13 +5951,29 @@
           </a:lstStyle>
           <a:p>
             <a:pPr algn="ctr" eaLnBrk="1" hangingPunct="1"/>
-            <a:endParaRPr lang="en-US" altLang="ja-JP" sz="1400" b="1" dirty="0">
-              <a:solidFill>
-                <a:srgbClr val="FF0000"/>
-              </a:solidFill>
-              <a:latin typeface="ＭＳ 明朝" panose="02020609040205080304" pitchFamily="49" charset="-128"/>
-              <a:ea typeface="ＭＳ 明朝" panose="02020609040205080304" pitchFamily="49" charset="-128"/>
-            </a:endParaRPr>
+            <a:r>
+              <a:rPr lang="en-US" altLang="ja-JP" sz="1400" b="1" dirty="0">
+                <a:solidFill>
+                  <a:srgbClr val="FF0000"/>
+                </a:solidFill>
+                <a:latin typeface="ＭＳ 明朝" panose="02020609040205080304" pitchFamily="49" charset="-128"/>
+                <a:ea typeface="ＭＳ 明朝" panose="02020609040205080304" pitchFamily="49" charset="-128"/>
+              </a:rPr>
+              <a:t>Ls1</a:t>
+            </a:r>
+          </a:p>
+          <a:p>
+            <a:pPr algn="ctr" eaLnBrk="1" hangingPunct="1"/>
+            <a:r>
+              <a:rPr lang="en-US" altLang="ja-JP" sz="1400" b="1" dirty="0">
+                <a:solidFill>
+                  <a:srgbClr val="FF0000"/>
+                </a:solidFill>
+                <a:latin typeface="ＭＳ 明朝" panose="02020609040205080304" pitchFamily="49" charset="-128"/>
+                <a:ea typeface="ＭＳ 明朝" panose="02020609040205080304" pitchFamily="49" charset="-128"/>
+              </a:rPr>
+              <a:t>(11)</a:t>
+            </a:r>
           </a:p>
         </p:txBody>
       </p:sp>
@@ -6082,13 +6234,16 @@
           </a:lstStyle>
           <a:p>
             <a:pPr algn="ctr" eaLnBrk="1" hangingPunct="1"/>
-            <a:endParaRPr lang="en-US" altLang="ja-JP" sz="1400" b="1" dirty="0">
-              <a:solidFill>
-                <a:srgbClr val="FF0000"/>
-              </a:solidFill>
-              <a:latin typeface="ＭＳ 明朝" panose="02020609040205080304" pitchFamily="49" charset="-128"/>
-              <a:ea typeface="ＭＳ 明朝" panose="02020609040205080304" pitchFamily="49" charset="-128"/>
-            </a:endParaRPr>
+            <a:r>
+              <a:rPr lang="en-US" altLang="ja-JP" sz="1400" b="1" dirty="0">
+                <a:solidFill>
+                  <a:srgbClr val="FF0000"/>
+                </a:solidFill>
+                <a:latin typeface="ＭＳ 明朝" panose="02020609040205080304" pitchFamily="49" charset="-128"/>
+                <a:ea typeface="ＭＳ 明朝" panose="02020609040205080304" pitchFamily="49" charset="-128"/>
+              </a:rPr>
+              <a:t>(10)</a:t>
+            </a:r>
           </a:p>
         </p:txBody>
       </p:sp>
@@ -6245,6 +6400,16 @@
           </a:lstStyle>
           <a:p>
             <a:pPr algn="ctr" eaLnBrk="1" hangingPunct="1"/>
+            <a:r>
+              <a:rPr lang="en-US" altLang="ja-JP" sz="1400" b="1" dirty="0" err="1">
+                <a:solidFill>
+                  <a:srgbClr val="FF0000"/>
+                </a:solidFill>
+                <a:latin typeface="ＭＳ 明朝" panose="02020609040205080304" pitchFamily="49" charset="-128"/>
+                <a:ea typeface="ＭＳ 明朝" panose="02020609040205080304" pitchFamily="49" charset="-128"/>
+              </a:rPr>
+              <a:t>wJCintC</a:t>
+            </a:r>
             <a:endParaRPr lang="en-US" altLang="ja-JP" sz="1400" b="1" dirty="0">
               <a:solidFill>
                 <a:srgbClr val="FF0000"/>
@@ -6252,6 +6417,19 @@
               <a:latin typeface="ＭＳ 明朝" panose="02020609040205080304" pitchFamily="49" charset="-128"/>
               <a:ea typeface="ＭＳ 明朝" panose="02020609040205080304" pitchFamily="49" charset="-128"/>
             </a:endParaRPr>
+          </a:p>
+          <a:p>
+            <a:pPr algn="ctr" eaLnBrk="1" hangingPunct="1"/>
+            <a:r>
+              <a:rPr lang="en-US" altLang="ja-JP" sz="1400" b="1" dirty="0">
+                <a:solidFill>
+                  <a:srgbClr val="FF0000"/>
+                </a:solidFill>
+                <a:latin typeface="ＭＳ 明朝" panose="02020609040205080304" pitchFamily="49" charset="-128"/>
+                <a:ea typeface="ＭＳ 明朝" panose="02020609040205080304" pitchFamily="49" charset="-128"/>
+              </a:rPr>
+              <a:t>(00)</a:t>
+            </a:r>
           </a:p>
         </p:txBody>
       </p:sp>
@@ -7082,13 +7260,29 @@
           </a:lstStyle>
           <a:p>
             <a:pPr algn="ctr" eaLnBrk="1" hangingPunct="1"/>
-            <a:endParaRPr lang="en-US" altLang="ja-JP" sz="1400" b="1" dirty="0">
-              <a:solidFill>
-                <a:srgbClr val="FF0000"/>
-              </a:solidFill>
-              <a:latin typeface="ＭＳ 明朝" panose="02020609040205080304" pitchFamily="49" charset="-128"/>
-              <a:ea typeface="ＭＳ 明朝" panose="02020609040205080304" pitchFamily="49" charset="-128"/>
-            </a:endParaRPr>
+            <a:r>
+              <a:rPr lang="en-US" altLang="ja-JP" sz="1400" b="1" dirty="0">
+                <a:solidFill>
+                  <a:srgbClr val="FF0000"/>
+                </a:solidFill>
+                <a:latin typeface="ＭＳ 明朝" panose="02020609040205080304" pitchFamily="49" charset="-128"/>
+                <a:ea typeface="ＭＳ 明朝" panose="02020609040205080304" pitchFamily="49" charset="-128"/>
+              </a:rPr>
+              <a:t>Std0</a:t>
+            </a:r>
+          </a:p>
+          <a:p>
+            <a:pPr algn="ctr" eaLnBrk="1" hangingPunct="1"/>
+            <a:r>
+              <a:rPr lang="en-US" altLang="ja-JP" sz="1400" b="1" dirty="0">
+                <a:solidFill>
+                  <a:srgbClr val="FF0000"/>
+                </a:solidFill>
+                <a:latin typeface="ＭＳ 明朝" panose="02020609040205080304" pitchFamily="49" charset="-128"/>
+                <a:ea typeface="ＭＳ 明朝" panose="02020609040205080304" pitchFamily="49" charset="-128"/>
+              </a:rPr>
+              <a:t>(01)</a:t>
+            </a:r>
           </a:p>
         </p:txBody>
       </p:sp>
@@ -7245,13 +7439,29 @@
           </a:lstStyle>
           <a:p>
             <a:pPr algn="ctr" eaLnBrk="1" hangingPunct="1"/>
-            <a:endParaRPr lang="en-US" altLang="ja-JP" sz="1400" b="1" dirty="0">
-              <a:solidFill>
-                <a:srgbClr val="FF0000"/>
-              </a:solidFill>
-              <a:latin typeface="ＭＳ 明朝" panose="02020609040205080304" pitchFamily="49" charset="-128"/>
-              <a:ea typeface="ＭＳ 明朝" panose="02020609040205080304" pitchFamily="49" charset="-128"/>
-            </a:endParaRPr>
+            <a:r>
+              <a:rPr lang="en-US" altLang="ja-JP" sz="1400" b="1" dirty="0">
+                <a:solidFill>
+                  <a:srgbClr val="FF0000"/>
+                </a:solidFill>
+                <a:latin typeface="ＭＳ 明朝" panose="02020609040205080304" pitchFamily="49" charset="-128"/>
+                <a:ea typeface="ＭＳ 明朝" panose="02020609040205080304" pitchFamily="49" charset="-128"/>
+              </a:rPr>
+              <a:t>Std1</a:t>
+            </a:r>
+          </a:p>
+          <a:p>
+            <a:pPr algn="ctr" eaLnBrk="1" hangingPunct="1"/>
+            <a:r>
+              <a:rPr lang="en-US" altLang="ja-JP" sz="1400" b="1" dirty="0">
+                <a:solidFill>
+                  <a:srgbClr val="FF0000"/>
+                </a:solidFill>
+                <a:latin typeface="ＭＳ 明朝" panose="02020609040205080304" pitchFamily="49" charset="-128"/>
+                <a:ea typeface="ＭＳ 明朝" panose="02020609040205080304" pitchFamily="49" charset="-128"/>
+              </a:rPr>
+              <a:t>(11)</a:t>
+            </a:r>
           </a:p>
         </p:txBody>
       </p:sp>
@@ -7512,13 +7722,29 @@
           </a:lstStyle>
           <a:p>
             <a:pPr algn="ctr" eaLnBrk="1" hangingPunct="1"/>
-            <a:endParaRPr lang="en-US" altLang="ja-JP" sz="1400" b="1" dirty="0">
-              <a:solidFill>
-                <a:srgbClr val="FF0000"/>
-              </a:solidFill>
-              <a:latin typeface="ＭＳ 明朝" panose="02020609040205080304" pitchFamily="49" charset="-128"/>
-              <a:ea typeface="ＭＳ 明朝" panose="02020609040205080304" pitchFamily="49" charset="-128"/>
-            </a:endParaRPr>
+            <a:r>
+              <a:rPr lang="en-US" altLang="ja-JP" sz="1400" b="1" dirty="0">
+                <a:solidFill>
+                  <a:srgbClr val="FF0000"/>
+                </a:solidFill>
+                <a:latin typeface="ＭＳ 明朝" panose="02020609040205080304" pitchFamily="49" charset="-128"/>
+                <a:ea typeface="ＭＳ 明朝" panose="02020609040205080304" pitchFamily="49" charset="-128"/>
+              </a:rPr>
+              <a:t>Std2</a:t>
+            </a:r>
+          </a:p>
+          <a:p>
+            <a:pPr algn="ctr" eaLnBrk="1" hangingPunct="1"/>
+            <a:r>
+              <a:rPr lang="en-US" altLang="ja-JP" sz="1400" b="1" dirty="0">
+                <a:solidFill>
+                  <a:srgbClr val="FF0000"/>
+                </a:solidFill>
+                <a:latin typeface="ＭＳ 明朝" panose="02020609040205080304" pitchFamily="49" charset="-128"/>
+                <a:ea typeface="ＭＳ 明朝" panose="02020609040205080304" pitchFamily="49" charset="-128"/>
+              </a:rPr>
+              <a:t>(10)</a:t>
+            </a:r>
           </a:p>
         </p:txBody>
       </p:sp>
@@ -7675,6 +7901,16 @@
           </a:lstStyle>
           <a:p>
             <a:pPr algn="ctr" eaLnBrk="1" hangingPunct="1"/>
+            <a:r>
+              <a:rPr lang="en-US" altLang="ja-JP" sz="1400" b="1" dirty="0" err="1">
+                <a:solidFill>
+                  <a:srgbClr val="FF0000"/>
+                </a:solidFill>
+                <a:latin typeface="ＭＳ 明朝" panose="02020609040205080304" pitchFamily="49" charset="-128"/>
+                <a:ea typeface="ＭＳ 明朝" panose="02020609040205080304" pitchFamily="49" charset="-128"/>
+              </a:rPr>
+              <a:t>wJCintE</a:t>
+            </a:r>
             <a:endParaRPr lang="en-US" altLang="ja-JP" sz="1400" b="1" dirty="0">
               <a:solidFill>
                 <a:srgbClr val="FF0000"/>
@@ -7682,6 +7918,19 @@
               <a:latin typeface="ＭＳ 明朝" panose="02020609040205080304" pitchFamily="49" charset="-128"/>
               <a:ea typeface="ＭＳ 明朝" panose="02020609040205080304" pitchFamily="49" charset="-128"/>
             </a:endParaRPr>
+          </a:p>
+          <a:p>
+            <a:pPr algn="ctr" eaLnBrk="1" hangingPunct="1"/>
+            <a:r>
+              <a:rPr lang="en-US" altLang="ja-JP" sz="1400" b="1" dirty="0">
+                <a:solidFill>
+                  <a:srgbClr val="FF0000"/>
+                </a:solidFill>
+                <a:latin typeface="ＭＳ 明朝" panose="02020609040205080304" pitchFamily="49" charset="-128"/>
+                <a:ea typeface="ＭＳ 明朝" panose="02020609040205080304" pitchFamily="49" charset="-128"/>
+              </a:rPr>
+              <a:t>(00)</a:t>
+            </a:r>
           </a:p>
         </p:txBody>
       </p:sp>
@@ -8002,13 +8251,29 @@
           </a:lstStyle>
           <a:p>
             <a:pPr algn="ctr" eaLnBrk="1" hangingPunct="1"/>
-            <a:endParaRPr lang="en-US" altLang="ja-JP" sz="1400" b="1" dirty="0">
-              <a:solidFill>
-                <a:srgbClr val="FF0000"/>
-              </a:solidFill>
-              <a:latin typeface="ＭＳ 明朝" panose="02020609040205080304" pitchFamily="49" charset="-128"/>
-              <a:ea typeface="ＭＳ 明朝" panose="02020609040205080304" pitchFamily="49" charset="-128"/>
-            </a:endParaRPr>
+            <a:r>
+              <a:rPr lang="en-US" altLang="ja-JP" sz="1400" b="1" dirty="0">
+                <a:solidFill>
+                  <a:srgbClr val="FF0000"/>
+                </a:solidFill>
+                <a:latin typeface="ＭＳ 明朝" panose="02020609040205080304" pitchFamily="49" charset="-128"/>
+                <a:ea typeface="ＭＳ 明朝" panose="02020609040205080304" pitchFamily="49" charset="-128"/>
+              </a:rPr>
+              <a:t>Js0</a:t>
+            </a:r>
+          </a:p>
+          <a:p>
+            <a:pPr algn="ctr" eaLnBrk="1" hangingPunct="1"/>
+            <a:r>
+              <a:rPr lang="en-US" altLang="ja-JP" sz="1400" b="1" dirty="0">
+                <a:solidFill>
+                  <a:srgbClr val="FF0000"/>
+                </a:solidFill>
+                <a:latin typeface="ＭＳ 明朝" panose="02020609040205080304" pitchFamily="49" charset="-128"/>
+                <a:ea typeface="ＭＳ 明朝" panose="02020609040205080304" pitchFamily="49" charset="-128"/>
+              </a:rPr>
+              <a:t>(001)</a:t>
+            </a:r>
           </a:p>
         </p:txBody>
       </p:sp>
@@ -8165,13 +8430,29 @@
           </a:lstStyle>
           <a:p>
             <a:pPr algn="ctr" eaLnBrk="1" hangingPunct="1"/>
-            <a:endParaRPr lang="en-US" altLang="ja-JP" sz="1400" b="1" dirty="0">
-              <a:solidFill>
-                <a:srgbClr val="FF0000"/>
-              </a:solidFill>
-              <a:latin typeface="ＭＳ 明朝" panose="02020609040205080304" pitchFamily="49" charset="-128"/>
-              <a:ea typeface="ＭＳ 明朝" panose="02020609040205080304" pitchFamily="49" charset="-128"/>
-            </a:endParaRPr>
+            <a:r>
+              <a:rPr lang="en-US" altLang="ja-JP" sz="1400" b="1" dirty="0">
+                <a:solidFill>
+                  <a:srgbClr val="FF0000"/>
+                </a:solidFill>
+                <a:latin typeface="ＭＳ 明朝" panose="02020609040205080304" pitchFamily="49" charset="-128"/>
+                <a:ea typeface="ＭＳ 明朝" panose="02020609040205080304" pitchFamily="49" charset="-128"/>
+              </a:rPr>
+              <a:t>Js1</a:t>
+            </a:r>
+          </a:p>
+          <a:p>
+            <a:pPr algn="ctr" eaLnBrk="1" hangingPunct="1"/>
+            <a:r>
+              <a:rPr lang="en-US" altLang="ja-JP" sz="1400" b="1" dirty="0">
+                <a:solidFill>
+                  <a:srgbClr val="FF0000"/>
+                </a:solidFill>
+                <a:latin typeface="ＭＳ 明朝" panose="02020609040205080304" pitchFamily="49" charset="-128"/>
+                <a:ea typeface="ＭＳ 明朝" panose="02020609040205080304" pitchFamily="49" charset="-128"/>
+              </a:rPr>
+              <a:t>(011)</a:t>
+            </a:r>
           </a:p>
         </p:txBody>
       </p:sp>
@@ -8432,13 +8713,29 @@
           </a:lstStyle>
           <a:p>
             <a:pPr algn="ctr" eaLnBrk="1" hangingPunct="1"/>
-            <a:endParaRPr lang="en-US" altLang="ja-JP" sz="1400" b="1" dirty="0">
-              <a:solidFill>
-                <a:srgbClr val="FF0000"/>
-              </a:solidFill>
-              <a:latin typeface="ＭＳ 明朝" panose="02020609040205080304" pitchFamily="49" charset="-128"/>
-              <a:ea typeface="ＭＳ 明朝" panose="02020609040205080304" pitchFamily="49" charset="-128"/>
-            </a:endParaRPr>
+            <a:r>
+              <a:rPr lang="en-US" altLang="ja-JP" sz="1400" b="1" dirty="0">
+                <a:solidFill>
+                  <a:srgbClr val="FF0000"/>
+                </a:solidFill>
+                <a:latin typeface="ＭＳ 明朝" panose="02020609040205080304" pitchFamily="49" charset="-128"/>
+                <a:ea typeface="ＭＳ 明朝" panose="02020609040205080304" pitchFamily="49" charset="-128"/>
+              </a:rPr>
+              <a:t>Js2</a:t>
+            </a:r>
+          </a:p>
+          <a:p>
+            <a:pPr algn="ctr" eaLnBrk="1" hangingPunct="1"/>
+            <a:r>
+              <a:rPr lang="en-US" altLang="ja-JP" sz="1400" b="1" dirty="0">
+                <a:solidFill>
+                  <a:srgbClr val="FF0000"/>
+                </a:solidFill>
+                <a:latin typeface="ＭＳ 明朝" panose="02020609040205080304" pitchFamily="49" charset="-128"/>
+                <a:ea typeface="ＭＳ 明朝" panose="02020609040205080304" pitchFamily="49" charset="-128"/>
+              </a:rPr>
+              <a:t>(111)</a:t>
+            </a:r>
           </a:p>
         </p:txBody>
       </p:sp>
@@ -8595,6 +8892,16 @@
           </a:lstStyle>
           <a:p>
             <a:pPr algn="ctr" eaLnBrk="1" hangingPunct="1"/>
+            <a:r>
+              <a:rPr lang="en-US" altLang="ja-JP" sz="1400" b="1" dirty="0" err="1">
+                <a:solidFill>
+                  <a:srgbClr val="FF0000"/>
+                </a:solidFill>
+                <a:latin typeface="ＭＳ 明朝" panose="02020609040205080304" pitchFamily="49" charset="-128"/>
+                <a:ea typeface="ＭＳ 明朝" panose="02020609040205080304" pitchFamily="49" charset="-128"/>
+              </a:rPr>
+              <a:t>wJCintF</a:t>
+            </a:r>
             <a:endParaRPr lang="en-US" altLang="ja-JP" sz="1400" b="1" dirty="0">
               <a:solidFill>
                 <a:srgbClr val="FF0000"/>
@@ -8602,6 +8909,19 @@
               <a:latin typeface="ＭＳ 明朝" panose="02020609040205080304" pitchFamily="49" charset="-128"/>
               <a:ea typeface="ＭＳ 明朝" panose="02020609040205080304" pitchFamily="49" charset="-128"/>
             </a:endParaRPr>
+          </a:p>
+          <a:p>
+            <a:pPr algn="ctr" eaLnBrk="1" hangingPunct="1"/>
+            <a:r>
+              <a:rPr lang="en-US" altLang="ja-JP" sz="1400" b="1" dirty="0">
+                <a:solidFill>
+                  <a:srgbClr val="FF0000"/>
+                </a:solidFill>
+                <a:latin typeface="ＭＳ 明朝" panose="02020609040205080304" pitchFamily="49" charset="-128"/>
+                <a:ea typeface="ＭＳ 明朝" panose="02020609040205080304" pitchFamily="49" charset="-128"/>
+              </a:rPr>
+              <a:t>(000)</a:t>
+            </a:r>
           </a:p>
         </p:txBody>
       </p:sp>
@@ -8922,13 +9242,29 @@
           </a:lstStyle>
           <a:p>
             <a:pPr algn="ctr" eaLnBrk="1" hangingPunct="1"/>
-            <a:endParaRPr lang="en-US" altLang="ja-JP" sz="1400" b="1" dirty="0">
-              <a:solidFill>
-                <a:srgbClr val="FF0000"/>
-              </a:solidFill>
-              <a:latin typeface="ＭＳ 明朝" panose="02020609040205080304" pitchFamily="49" charset="-128"/>
-              <a:ea typeface="ＭＳ 明朝" panose="02020609040205080304" pitchFamily="49" charset="-128"/>
-            </a:endParaRPr>
+            <a:r>
+              <a:rPr lang="en-US" altLang="ja-JP" sz="1400" b="1" dirty="0">
+                <a:solidFill>
+                  <a:srgbClr val="FF0000"/>
+                </a:solidFill>
+                <a:latin typeface="ＭＳ 明朝" panose="02020609040205080304" pitchFamily="49" charset="-128"/>
+                <a:ea typeface="ＭＳ 明朝" panose="02020609040205080304" pitchFamily="49" charset="-128"/>
+              </a:rPr>
+              <a:t>Js3</a:t>
+            </a:r>
+          </a:p>
+          <a:p>
+            <a:pPr algn="ctr" eaLnBrk="1" hangingPunct="1"/>
+            <a:r>
+              <a:rPr lang="en-US" altLang="ja-JP" sz="1400" b="1" dirty="0">
+                <a:solidFill>
+                  <a:srgbClr val="FF0000"/>
+                </a:solidFill>
+                <a:latin typeface="ＭＳ 明朝" panose="02020609040205080304" pitchFamily="49" charset="-128"/>
+                <a:ea typeface="ＭＳ 明朝" panose="02020609040205080304" pitchFamily="49" charset="-128"/>
+              </a:rPr>
+              <a:t>(110)</a:t>
+            </a:r>
           </a:p>
         </p:txBody>
       </p:sp>
@@ -9189,13 +9525,29 @@
           </a:lstStyle>
           <a:p>
             <a:pPr algn="ctr" eaLnBrk="1" hangingPunct="1"/>
-            <a:endParaRPr lang="en-US" altLang="ja-JP" sz="1400" b="1" dirty="0">
-              <a:solidFill>
-                <a:srgbClr val="FF0000"/>
-              </a:solidFill>
-              <a:latin typeface="ＭＳ 明朝" panose="02020609040205080304" pitchFamily="49" charset="-128"/>
-              <a:ea typeface="ＭＳ 明朝" panose="02020609040205080304" pitchFamily="49" charset="-128"/>
-            </a:endParaRPr>
+            <a:r>
+              <a:rPr lang="en-US" altLang="ja-JP" sz="1400" b="1" dirty="0">
+                <a:solidFill>
+                  <a:srgbClr val="FF0000"/>
+                </a:solidFill>
+                <a:latin typeface="ＭＳ 明朝" panose="02020609040205080304" pitchFamily="49" charset="-128"/>
+                <a:ea typeface="ＭＳ 明朝" panose="02020609040205080304" pitchFamily="49" charset="-128"/>
+              </a:rPr>
+              <a:t>Js4</a:t>
+            </a:r>
+          </a:p>
+          <a:p>
+            <a:pPr algn="ctr" eaLnBrk="1" hangingPunct="1"/>
+            <a:r>
+              <a:rPr lang="en-US" altLang="ja-JP" sz="1400" b="1" dirty="0">
+                <a:solidFill>
+                  <a:srgbClr val="FF0000"/>
+                </a:solidFill>
+                <a:latin typeface="ＭＳ 明朝" panose="02020609040205080304" pitchFamily="49" charset="-128"/>
+                <a:ea typeface="ＭＳ 明朝" panose="02020609040205080304" pitchFamily="49" charset="-128"/>
+              </a:rPr>
+              <a:t>(100)</a:t>
+            </a:r>
           </a:p>
         </p:txBody>
       </p:sp>
@@ -16169,6 +16521,275 @@
                 <a:ea typeface="ＭＳ Ｐゴシック" panose="020B0600070205080204" pitchFamily="34" charset="-128"/>
               </a:rPr>
               <a:t>stdi4</a:t>
+            </a:r>
+          </a:p>
+        </p:txBody>
+      </p:sp>
+      <p:sp>
+        <p:nvSpPr>
+          <p:cNvPr id="18" name="TextBox 17">
+            <a:extLst>
+              <a:ext uri="{FF2B5EF4-FFF2-40B4-BE49-F238E27FC236}">
+                <a16:creationId xmlns:a16="http://schemas.microsoft.com/office/drawing/2014/main" id="{5EE393EC-5C73-D29D-5EA6-E5B1E0C86E06}"/>
+              </a:ext>
+            </a:extLst>
+          </p:cNvPr>
+          <p:cNvSpPr txBox="1"/>
+          <p:nvPr/>
+        </p:nvSpPr>
+        <p:spPr>
+          <a:xfrm>
+            <a:off x="3176622" y="1399659"/>
+            <a:ext cx="658129" cy="369332"/>
+          </a:xfrm>
+          <a:prstGeom prst="rect">
+            <a:avLst/>
+          </a:prstGeom>
+          <a:noFill/>
+        </p:spPr>
+        <p:txBody>
+          <a:bodyPr wrap="none" rtlCol="0">
+            <a:spAutoFit/>
+          </a:bodyPr>
+          <a:lstStyle/>
+          <a:p>
+            <a:r>
+              <a:rPr lang="en-JP" dirty="0"/>
+              <a:t>reset</a:t>
+            </a:r>
+          </a:p>
+        </p:txBody>
+      </p:sp>
+      <p:sp>
+        <p:nvSpPr>
+          <p:cNvPr id="123" name="TextBox 122">
+            <a:extLst>
+              <a:ext uri="{FF2B5EF4-FFF2-40B4-BE49-F238E27FC236}">
+                <a16:creationId xmlns:a16="http://schemas.microsoft.com/office/drawing/2014/main" id="{A04BCBCB-CF09-C7C1-2A19-C05425599959}"/>
+              </a:ext>
+            </a:extLst>
+          </p:cNvPr>
+          <p:cNvSpPr txBox="1"/>
+          <p:nvPr/>
+        </p:nvSpPr>
+        <p:spPr>
+          <a:xfrm>
+            <a:off x="2099300" y="1971774"/>
+            <a:ext cx="481350" cy="307777"/>
+          </a:xfrm>
+          <a:prstGeom prst="rect">
+            <a:avLst/>
+          </a:prstGeom>
+          <a:noFill/>
+        </p:spPr>
+        <p:txBody>
+          <a:bodyPr wrap="none" rtlCol="0">
+            <a:spAutoFit/>
+          </a:bodyPr>
+          <a:lstStyle/>
+          <a:p>
+            <a:r>
+              <a:rPr lang="en-JP" sz="1400" dirty="0">
+                <a:solidFill>
+                  <a:srgbClr val="FF0000"/>
+                </a:solidFill>
+              </a:rPr>
+              <a:t>cact</a:t>
+            </a:r>
+          </a:p>
+        </p:txBody>
+      </p:sp>
+      <p:sp>
+        <p:nvSpPr>
+          <p:cNvPr id="127" name="TextBox 126">
+            <a:extLst>
+              <a:ext uri="{FF2B5EF4-FFF2-40B4-BE49-F238E27FC236}">
+                <a16:creationId xmlns:a16="http://schemas.microsoft.com/office/drawing/2014/main" id="{E0DB09BA-49B5-1091-BF9F-A208B8834BF8}"/>
+              </a:ext>
+            </a:extLst>
+          </p:cNvPr>
+          <p:cNvSpPr txBox="1"/>
+          <p:nvPr/>
+        </p:nvSpPr>
+        <p:spPr>
+          <a:xfrm>
+            <a:off x="10888494" y="3496568"/>
+            <a:ext cx="720005" cy="307777"/>
+          </a:xfrm>
+          <a:prstGeom prst="rect">
+            <a:avLst/>
+          </a:prstGeom>
+          <a:noFill/>
+        </p:spPr>
+        <p:txBody>
+          <a:bodyPr wrap="none" rtlCol="0">
+            <a:spAutoFit/>
+          </a:bodyPr>
+          <a:lstStyle/>
+          <a:p>
+            <a:r>
+              <a:rPr lang="en-JP" sz="1400" dirty="0">
+                <a:solidFill>
+                  <a:srgbClr val="FF0000"/>
+                </a:solidFill>
+              </a:rPr>
+              <a:t>cJCintD</a:t>
+            </a:r>
+          </a:p>
+        </p:txBody>
+      </p:sp>
+      <p:sp>
+        <p:nvSpPr>
+          <p:cNvPr id="128" name="TextBox 127">
+            <a:extLst>
+              <a:ext uri="{FF2B5EF4-FFF2-40B4-BE49-F238E27FC236}">
+                <a16:creationId xmlns:a16="http://schemas.microsoft.com/office/drawing/2014/main" id="{5F09317B-E14D-67FC-D861-99C7332B6746}"/>
+              </a:ext>
+            </a:extLst>
+          </p:cNvPr>
+          <p:cNvSpPr txBox="1"/>
+          <p:nvPr/>
+        </p:nvSpPr>
+        <p:spPr>
+          <a:xfrm>
+            <a:off x="6514931" y="1270000"/>
+            <a:ext cx="707181" cy="307777"/>
+          </a:xfrm>
+          <a:prstGeom prst="rect">
+            <a:avLst/>
+          </a:prstGeom>
+          <a:noFill/>
+        </p:spPr>
+        <p:txBody>
+          <a:bodyPr wrap="none" rtlCol="0">
+            <a:spAutoFit/>
+          </a:bodyPr>
+          <a:lstStyle/>
+          <a:p>
+            <a:r>
+              <a:rPr lang="en-JP" sz="1400" dirty="0">
+                <a:solidFill>
+                  <a:srgbClr val="FF0000"/>
+                </a:solidFill>
+              </a:rPr>
+              <a:t>cJCintB</a:t>
+            </a:r>
+          </a:p>
+        </p:txBody>
+      </p:sp>
+      <p:sp>
+        <p:nvSpPr>
+          <p:cNvPr id="129" name="TextBox 128">
+            <a:extLst>
+              <a:ext uri="{FF2B5EF4-FFF2-40B4-BE49-F238E27FC236}">
+                <a16:creationId xmlns:a16="http://schemas.microsoft.com/office/drawing/2014/main" id="{909AC984-FFEA-5573-F498-52A67C6ABA7D}"/>
+              </a:ext>
+            </a:extLst>
+          </p:cNvPr>
+          <p:cNvSpPr txBox="1"/>
+          <p:nvPr/>
+        </p:nvSpPr>
+        <p:spPr>
+          <a:xfrm>
+            <a:off x="2220426" y="9040813"/>
+            <a:ext cx="691151" cy="307777"/>
+          </a:xfrm>
+          <a:prstGeom prst="rect">
+            <a:avLst/>
+          </a:prstGeom>
+          <a:noFill/>
+        </p:spPr>
+        <p:txBody>
+          <a:bodyPr wrap="none" rtlCol="0">
+            <a:spAutoFit/>
+          </a:bodyPr>
+          <a:lstStyle/>
+          <a:p>
+            <a:r>
+              <a:rPr lang="en-JP" sz="1400" dirty="0">
+                <a:solidFill>
+                  <a:srgbClr val="FF0000"/>
+                </a:solidFill>
+              </a:rPr>
+              <a:t>cJCintF</a:t>
+            </a:r>
+          </a:p>
+        </p:txBody>
+      </p:sp>
+      <p:sp>
+        <p:nvSpPr>
+          <p:cNvPr id="130" name="TextBox 129">
+            <a:extLst>
+              <a:ext uri="{FF2B5EF4-FFF2-40B4-BE49-F238E27FC236}">
+                <a16:creationId xmlns:a16="http://schemas.microsoft.com/office/drawing/2014/main" id="{AE35E326-9D4C-0A66-CC76-D34CC4953383}"/>
+              </a:ext>
+            </a:extLst>
+          </p:cNvPr>
+          <p:cNvSpPr txBox="1"/>
+          <p:nvPr/>
+        </p:nvSpPr>
+        <p:spPr>
+          <a:xfrm>
+            <a:off x="2221378" y="6372305"/>
+            <a:ext cx="697563" cy="307777"/>
+          </a:xfrm>
+          <a:prstGeom prst="rect">
+            <a:avLst/>
+          </a:prstGeom>
+          <a:noFill/>
+        </p:spPr>
+        <p:txBody>
+          <a:bodyPr wrap="none" rtlCol="0">
+            <a:spAutoFit/>
+          </a:bodyPr>
+          <a:lstStyle/>
+          <a:p>
+            <a:r>
+              <a:rPr lang="en-JP" sz="1400" dirty="0">
+                <a:solidFill>
+                  <a:srgbClr val="FF0000"/>
+                </a:solidFill>
+              </a:rPr>
+              <a:t>cJCintE</a:t>
+            </a:r>
+          </a:p>
+        </p:txBody>
+      </p:sp>
+      <p:sp>
+        <p:nvSpPr>
+          <p:cNvPr id="131" name="TextBox 130">
+            <a:extLst>
+              <a:ext uri="{FF2B5EF4-FFF2-40B4-BE49-F238E27FC236}">
+                <a16:creationId xmlns:a16="http://schemas.microsoft.com/office/drawing/2014/main" id="{2D97345E-6511-339F-4C2A-CC0512EEA088}"/>
+              </a:ext>
+            </a:extLst>
+          </p:cNvPr>
+          <p:cNvSpPr txBox="1"/>
+          <p:nvPr/>
+        </p:nvSpPr>
+        <p:spPr>
+          <a:xfrm>
+            <a:off x="2242968" y="3497263"/>
+            <a:ext cx="705578" cy="307777"/>
+          </a:xfrm>
+          <a:prstGeom prst="rect">
+            <a:avLst/>
+          </a:prstGeom>
+          <a:noFill/>
+        </p:spPr>
+        <p:txBody>
+          <a:bodyPr wrap="none" rtlCol="0">
+            <a:spAutoFit/>
+          </a:bodyPr>
+          <a:lstStyle/>
+          <a:p>
+            <a:r>
+              <a:rPr lang="en-JP" sz="1400" dirty="0">
+                <a:solidFill>
+                  <a:srgbClr val="FF0000"/>
+                </a:solidFill>
+              </a:rPr>
+              <a:t>cJCintC</a:t>
             </a:r>
           </a:p>
         </p:txBody>

--- a/kadai-4/CP-JohnsonInternal-Blank_4-3.pptx
+++ b/kadai-4/CP-JohnsonInternal-Blank_4-3.pptx
@@ -243,7 +243,7 @@
           <a:p>
             <a:fld id="{AC34673F-3019-B146-B838-9789C4D81837}" type="datetimeFigureOut">
               <a:rPr kumimoji="1" lang="ja-JP" altLang="en-US" smtClean="0"/>
-              <a:t>2024/11/18</a:t>
+              <a:t>2024/11/25</a:t>
             </a:fld>
             <a:endParaRPr kumimoji="1" lang="ja-JP" altLang="en-US"/>
           </a:p>
@@ -445,7 +445,7 @@
           <a:p>
             <a:fld id="{AC34673F-3019-B146-B838-9789C4D81837}" type="datetimeFigureOut">
               <a:rPr kumimoji="1" lang="ja-JP" altLang="en-US" smtClean="0"/>
-              <a:t>2024/11/18</a:t>
+              <a:t>2024/11/25</a:t>
             </a:fld>
             <a:endParaRPr kumimoji="1" lang="ja-JP" altLang="en-US"/>
           </a:p>
@@ -657,7 +657,7 @@
           <a:p>
             <a:fld id="{AC34673F-3019-B146-B838-9789C4D81837}" type="datetimeFigureOut">
               <a:rPr kumimoji="1" lang="ja-JP" altLang="en-US" smtClean="0"/>
-              <a:t>2024/11/18</a:t>
+              <a:t>2024/11/25</a:t>
             </a:fld>
             <a:endParaRPr kumimoji="1" lang="ja-JP" altLang="en-US"/>
           </a:p>
@@ -859,7 +859,7 @@
           <a:p>
             <a:fld id="{AC34673F-3019-B146-B838-9789C4D81837}" type="datetimeFigureOut">
               <a:rPr kumimoji="1" lang="ja-JP" altLang="en-US" smtClean="0"/>
-              <a:t>2024/11/18</a:t>
+              <a:t>2024/11/25</a:t>
             </a:fld>
             <a:endParaRPr kumimoji="1" lang="ja-JP" altLang="en-US"/>
           </a:p>
@@ -1103,7 +1103,7 @@
           <a:p>
             <a:fld id="{AC34673F-3019-B146-B838-9789C4D81837}" type="datetimeFigureOut">
               <a:rPr kumimoji="1" lang="ja-JP" altLang="en-US" smtClean="0"/>
-              <a:t>2024/11/18</a:t>
+              <a:t>2024/11/25</a:t>
             </a:fld>
             <a:endParaRPr kumimoji="1" lang="ja-JP" altLang="en-US"/>
           </a:p>
@@ -1399,7 +1399,7 @@
           <a:p>
             <a:fld id="{AC34673F-3019-B146-B838-9789C4D81837}" type="datetimeFigureOut">
               <a:rPr kumimoji="1" lang="ja-JP" altLang="en-US" smtClean="0"/>
-              <a:t>2024/11/18</a:t>
+              <a:t>2024/11/25</a:t>
             </a:fld>
             <a:endParaRPr kumimoji="1" lang="ja-JP" altLang="en-US"/>
           </a:p>
@@ -1830,7 +1830,7 @@
           <a:p>
             <a:fld id="{AC34673F-3019-B146-B838-9789C4D81837}" type="datetimeFigureOut">
               <a:rPr kumimoji="1" lang="ja-JP" altLang="en-US" smtClean="0"/>
-              <a:t>2024/11/18</a:t>
+              <a:t>2024/11/25</a:t>
             </a:fld>
             <a:endParaRPr kumimoji="1" lang="ja-JP" altLang="en-US"/>
           </a:p>
@@ -1948,7 +1948,7 @@
           <a:p>
             <a:fld id="{AC34673F-3019-B146-B838-9789C4D81837}" type="datetimeFigureOut">
               <a:rPr kumimoji="1" lang="ja-JP" altLang="en-US" smtClean="0"/>
-              <a:t>2024/11/18</a:t>
+              <a:t>2024/11/25</a:t>
             </a:fld>
             <a:endParaRPr kumimoji="1" lang="ja-JP" altLang="en-US"/>
           </a:p>
@@ -2043,7 +2043,7 @@
           <a:p>
             <a:fld id="{AC34673F-3019-B146-B838-9789C4D81837}" type="datetimeFigureOut">
               <a:rPr kumimoji="1" lang="ja-JP" altLang="en-US" smtClean="0"/>
-              <a:t>2024/11/18</a:t>
+              <a:t>2024/11/25</a:t>
             </a:fld>
             <a:endParaRPr kumimoji="1" lang="ja-JP" altLang="en-US"/>
           </a:p>
@@ -2352,7 +2352,7 @@
           <a:p>
             <a:fld id="{AC34673F-3019-B146-B838-9789C4D81837}" type="datetimeFigureOut">
               <a:rPr kumimoji="1" lang="ja-JP" altLang="en-US" smtClean="0"/>
-              <a:t>2024/11/18</a:t>
+              <a:t>2024/11/25</a:t>
             </a:fld>
             <a:endParaRPr kumimoji="1" lang="ja-JP" altLang="en-US"/>
           </a:p>
@@ -2609,7 +2609,7 @@
           <a:p>
             <a:fld id="{AC34673F-3019-B146-B838-9789C4D81837}" type="datetimeFigureOut">
               <a:rPr kumimoji="1" lang="ja-JP" altLang="en-US" smtClean="0"/>
-              <a:t>2024/11/18</a:t>
+              <a:t>2024/11/25</a:t>
             </a:fld>
             <a:endParaRPr kumimoji="1" lang="ja-JP" altLang="en-US"/>
           </a:p>
@@ -2854,7 +2854,7 @@
           <a:p>
             <a:fld id="{AC34673F-3019-B146-B838-9789C4D81837}" type="datetimeFigureOut">
               <a:rPr kumimoji="1" lang="ja-JP" altLang="en-US" smtClean="0"/>
-              <a:t>2024/11/18</a:t>
+              <a:t>2024/11/25</a:t>
             </a:fld>
             <a:endParaRPr kumimoji="1" lang="ja-JP" altLang="en-US"/>
           </a:p>
@@ -4061,7 +4061,7 @@
                 <a:latin typeface="ＭＳ 明朝" panose="02020609040205080304" pitchFamily="49" charset="-128"/>
                 <a:ea typeface="ＭＳ 明朝" panose="02020609040205080304" pitchFamily="49" charset="-128"/>
               </a:rPr>
-              <a:t>cJCintB</a:t>
+              <a:t>wJCintB</a:t>
             </a:r>
             <a:endParaRPr lang="en-US" altLang="ja-JP" sz="1400" b="1" dirty="0">
               <a:solidFill>
